--- a/Nx Tools.pptx
+++ b/Nx Tools.pptx
@@ -11,8 +11,8 @@
     <p:sldId id="256" r:id="rId5"/>
     <p:sldId id="257" r:id="rId6"/>
     <p:sldId id="261" r:id="rId7"/>
-    <p:sldId id="258" r:id="rId8"/>
-    <p:sldId id="262" r:id="rId9"/>
+    <p:sldId id="262" r:id="rId8"/>
+    <p:sldId id="258" r:id="rId9"/>
     <p:sldId id="263" r:id="rId10"/>
     <p:sldId id="264" r:id="rId11"/>
     <p:sldId id="260" r:id="rId12"/>
@@ -114,6 +114,11 @@
       </a:defRPr>
     </a:lvl9pPr>
   </p:defaultTextStyle>
+  <p:extLst>
+    <p:ext uri="{EFAFB233-063F-42B5-8137-9DF3F51BA10A}">
+      <p15:sldGuideLst xmlns:p15="http://schemas.microsoft.com/office/powerpoint/2012/main"/>
+    </p:ext>
+  </p:extLst>
 </p:presentation>
 </file>
 
@@ -208,7 +213,7 @@
           <a:p>
             <a:fld id="{353D8E87-C4A3-406B-BC1C-B0F59079F250}" type="datetimeFigureOut">
               <a:rPr lang="de-AT" smtClean="0"/>
-              <a:t>03.11.2021</a:t>
+              <a:t>04.11.2021</a:t>
             </a:fld>
             <a:endParaRPr lang="de-AT"/>
           </a:p>
@@ -795,7 +800,7 @@
           <a:p>
             <a:fld id="{6A4B53A7-3209-46A6-9454-F38EAC8F11E7}" type="datetimeFigureOut">
               <a:rPr lang="en-US" smtClean="0"/>
-              <a:t>11/3/2021</a:t>
+              <a:t>11/4/2021</a:t>
             </a:fld>
             <a:endParaRPr lang="en-US"/>
           </a:p>
@@ -1046,7 +1051,7 @@
           <a:p>
             <a:fld id="{6A4B53A7-3209-46A6-9454-F38EAC8F11E7}" type="datetimeFigureOut">
               <a:rPr lang="en-US" smtClean="0"/>
-              <a:t>11/3/2021</a:t>
+              <a:t>11/4/2021</a:t>
             </a:fld>
             <a:endParaRPr lang="en-US"/>
           </a:p>
@@ -1307,7 +1312,7 @@
           <a:p>
             <a:fld id="{6A4B53A7-3209-46A6-9454-F38EAC8F11E7}" type="datetimeFigureOut">
               <a:rPr lang="en-US" smtClean="0"/>
-              <a:t>11/3/2021</a:t>
+              <a:t>11/4/2021</a:t>
             </a:fld>
             <a:endParaRPr lang="en-US"/>
           </a:p>
@@ -1558,7 +1563,7 @@
           <a:p>
             <a:fld id="{6A4B53A7-3209-46A6-9454-F38EAC8F11E7}" type="datetimeFigureOut">
               <a:rPr lang="en-US" smtClean="0"/>
-              <a:t>11/3/2021</a:t>
+              <a:t>11/4/2021</a:t>
             </a:fld>
             <a:endParaRPr lang="en-US"/>
           </a:p>
@@ -1886,7 +1891,7 @@
           <a:p>
             <a:fld id="{6A4B53A7-3209-46A6-9454-F38EAC8F11E7}" type="datetimeFigureOut">
               <a:rPr lang="en-US" smtClean="0"/>
-              <a:t>11/3/2021</a:t>
+              <a:t>11/4/2021</a:t>
             </a:fld>
             <a:endParaRPr lang="en-US"/>
           </a:p>
@@ -2204,7 +2209,7 @@
           <a:p>
             <a:fld id="{6A4B53A7-3209-46A6-9454-F38EAC8F11E7}" type="datetimeFigureOut">
               <a:rPr lang="en-US" smtClean="0"/>
-              <a:t>11/3/2021</a:t>
+              <a:t>11/4/2021</a:t>
             </a:fld>
             <a:endParaRPr lang="en-US"/>
           </a:p>
@@ -2669,7 +2674,7 @@
           <a:p>
             <a:fld id="{6A4B53A7-3209-46A6-9454-F38EAC8F11E7}" type="datetimeFigureOut">
               <a:rPr lang="en-US" smtClean="0"/>
-              <a:t>11/3/2021</a:t>
+              <a:t>11/4/2021</a:t>
             </a:fld>
             <a:endParaRPr lang="en-US"/>
           </a:p>
@@ -2863,7 +2868,7 @@
           <a:p>
             <a:fld id="{6A4B53A7-3209-46A6-9454-F38EAC8F11E7}" type="datetimeFigureOut">
               <a:rPr lang="en-US" smtClean="0"/>
-              <a:t>11/3/2021</a:t>
+              <a:t>11/4/2021</a:t>
             </a:fld>
             <a:endParaRPr lang="en-US"/>
           </a:p>
@@ -3029,7 +3034,7 @@
           <a:p>
             <a:fld id="{6A4B53A7-3209-46A6-9454-F38EAC8F11E7}" type="datetimeFigureOut">
               <a:rPr lang="en-US" smtClean="0"/>
-              <a:t>11/3/2021</a:t>
+              <a:t>11/4/2021</a:t>
             </a:fld>
             <a:endParaRPr lang="en-US"/>
           </a:p>
@@ -3393,7 +3398,7 @@
           <a:p>
             <a:fld id="{6A4B53A7-3209-46A6-9454-F38EAC8F11E7}" type="datetimeFigureOut">
               <a:rPr lang="en-US" smtClean="0"/>
-              <a:t>11/3/2021</a:t>
+              <a:t>11/4/2021</a:t>
             </a:fld>
             <a:endParaRPr lang="en-US"/>
           </a:p>
@@ -3737,7 +3742,7 @@
           <a:p>
             <a:fld id="{6A4B53A7-3209-46A6-9454-F38EAC8F11E7}" type="datetimeFigureOut">
               <a:rPr lang="en-US" smtClean="0"/>
-              <a:t>11/3/2021</a:t>
+              <a:t>11/4/2021</a:t>
             </a:fld>
             <a:endParaRPr lang="en-US"/>
           </a:p>
@@ -4032,7 +4037,7 @@
             <a:fld id="{6A4B53A7-3209-46A6-9454-F38EAC8F11E7}" type="datetimeFigureOut">
               <a:rPr lang="en-US" smtClean="0"/>
               <a:pPr/>
-              <a:t>11/3/2021</a:t>
+              <a:t>11/4/2021</a:t>
             </a:fld>
             <a:endParaRPr lang="en-US"/>
           </a:p>
@@ -5826,6 +5831,178 @@
       </p:grpSpPr>
       <p:sp>
         <p:nvSpPr>
+          <p:cNvPr id="2" name="Titel 1">
+            <a:extLst>
+              <a:ext uri="{FF2B5EF4-FFF2-40B4-BE49-F238E27FC236}">
+                <a16:creationId xmlns:a16="http://schemas.microsoft.com/office/drawing/2014/main" id="{DDC55320-03B6-465D-9A7F-9DD235AB153D}"/>
+              </a:ext>
+            </a:extLst>
+          </p:cNvPr>
+          <p:cNvSpPr>
+            <a:spLocks noGrp="1"/>
+          </p:cNvSpPr>
+          <p:nvPr>
+            <p:ph type="title"/>
+          </p:nvPr>
+        </p:nvSpPr>
+        <p:spPr/>
+        <p:txBody>
+          <a:bodyPr/>
+          <a:lstStyle/>
+          <a:p>
+            <a:r>
+              <a:rPr lang="de-AT" err="1"/>
+              <a:t>Nx</a:t>
+            </a:r>
+            <a:r>
+              <a:rPr lang="de-AT"/>
+              <a:t> Cloud</a:t>
+            </a:r>
+          </a:p>
+        </p:txBody>
+      </p:sp>
+      <p:sp>
+        <p:nvSpPr>
+          <p:cNvPr id="3" name="Inhaltsplatzhalter 2">
+            <a:extLst>
+              <a:ext uri="{FF2B5EF4-FFF2-40B4-BE49-F238E27FC236}">
+                <a16:creationId xmlns:a16="http://schemas.microsoft.com/office/drawing/2014/main" id="{803631F4-0D06-47E0-ADF2-B0F13427B645}"/>
+              </a:ext>
+            </a:extLst>
+          </p:cNvPr>
+          <p:cNvSpPr>
+            <a:spLocks noGrp="1"/>
+          </p:cNvSpPr>
+          <p:nvPr>
+            <p:ph idx="1"/>
+          </p:nvPr>
+        </p:nvSpPr>
+        <p:spPr/>
+        <p:txBody>
+          <a:bodyPr/>
+          <a:lstStyle/>
+          <a:p>
+            <a:r>
+              <a:rPr lang="de-AT"/>
+              <a:t>Kostenlos</a:t>
+            </a:r>
+          </a:p>
+          <a:p>
+            <a:r>
+              <a:rPr lang="de-AT"/>
+              <a:t>GitHub Integration</a:t>
+            </a:r>
+          </a:p>
+          <a:p>
+            <a:r>
+              <a:rPr lang="de-AT"/>
+              <a:t>Detailliertes </a:t>
+            </a:r>
+            <a:r>
+              <a:rPr lang="de-AT" err="1"/>
+              <a:t>Logging</a:t>
+            </a:r>
+            <a:r>
+              <a:rPr lang="de-AT"/>
+              <a:t> für CI</a:t>
+            </a:r>
+          </a:p>
+          <a:p>
+            <a:r>
+              <a:rPr lang="de-DE"/>
+              <a:t>Zeitersparnis</a:t>
+            </a:r>
+          </a:p>
+          <a:p>
+            <a:r>
+              <a:rPr lang="de-AT"/>
+              <a:t>erleichtert Teamarbeit</a:t>
+            </a:r>
+          </a:p>
+          <a:p>
+            <a:endParaRPr lang="de-AT"/>
+          </a:p>
+        </p:txBody>
+      </p:sp>
+      <p:pic>
+        <p:nvPicPr>
+          <p:cNvPr id="4098" name="Picture 2" descr="Nx Cloud Webinar + Live Q&amp;amp;A: Speeding up Builds &amp;amp; Tests">
+            <a:extLst>
+              <a:ext uri="{FF2B5EF4-FFF2-40B4-BE49-F238E27FC236}">
+                <a16:creationId xmlns:a16="http://schemas.microsoft.com/office/drawing/2014/main" id="{9CEF1646-2D96-48AA-94A5-6E4AEEB476F2}"/>
+              </a:ext>
+            </a:extLst>
+          </p:cNvPr>
+          <p:cNvPicPr>
+            <a:picLocks noChangeAspect="1" noChangeArrowheads="1"/>
+          </p:cNvPicPr>
+          <p:nvPr/>
+        </p:nvPicPr>
+        <p:blipFill>
+          <a:blip r:embed="rId2">
+            <a:extLst>
+              <a:ext uri="{28A0092B-C50C-407E-A947-70E740481C1C}">
+                <a14:useLocalDpi xmlns:a14="http://schemas.microsoft.com/office/drawing/2010/main" val="0"/>
+              </a:ext>
+            </a:extLst>
+          </a:blip>
+          <a:srcRect/>
+          <a:stretch>
+            <a:fillRect/>
+          </a:stretch>
+        </p:blipFill>
+        <p:spPr bwMode="auto">
+          <a:xfrm>
+            <a:off x="8109272" y="242888"/>
+            <a:ext cx="3152775" cy="1447800"/>
+          </a:xfrm>
+          <a:prstGeom prst="rect">
+            <a:avLst/>
+          </a:prstGeom>
+          <a:noFill/>
+          <a:extLst>
+            <a:ext uri="{909E8E84-426E-40DD-AFC4-6F175D3DCCD1}">
+              <a14:hiddenFill xmlns:a14="http://schemas.microsoft.com/office/drawing/2010/main">
+                <a:solidFill>
+                  <a:srgbClr val="FFFFFF"/>
+                </a:solidFill>
+              </a14:hiddenFill>
+            </a:ext>
+          </a:extLst>
+        </p:spPr>
+      </p:pic>
+    </p:spTree>
+    <p:extLst>
+      <p:ext uri="{BB962C8B-B14F-4D97-AF65-F5344CB8AC3E}">
+        <p14:creationId xmlns:p14="http://schemas.microsoft.com/office/powerpoint/2010/main" val="574056929"/>
+      </p:ext>
+    </p:extLst>
+  </p:cSld>
+  <p:clrMapOvr>
+    <a:masterClrMapping/>
+  </p:clrMapOvr>
+</p:sld>
+</file>
+
+<file path=ppt/slides/slide5.xml><?xml version="1.0" encoding="utf-8"?>
+<p:sld xmlns:a="http://schemas.openxmlformats.org/drawingml/2006/main" xmlns:r="http://schemas.openxmlformats.org/officeDocument/2006/relationships" xmlns:p="http://schemas.openxmlformats.org/presentationml/2006/main">
+  <p:cSld>
+    <p:spTree>
+      <p:nvGrpSpPr>
+        <p:cNvPr id="1" name=""/>
+        <p:cNvGrpSpPr/>
+        <p:nvPr/>
+      </p:nvGrpSpPr>
+      <p:grpSpPr>
+        <a:xfrm>
+          <a:off x="0" y="0"/>
+          <a:ext cx="0" cy="0"/>
+          <a:chOff x="0" y="0"/>
+          <a:chExt cx="0" cy="0"/>
+        </a:xfrm>
+      </p:grpSpPr>
+      <p:sp>
+        <p:nvSpPr>
           <p:cNvPr id="3" name="Inhaltsplatzhalter 2">
             <a:extLst>
               <a:ext uri="{FF2B5EF4-FFF2-40B4-BE49-F238E27FC236}">
@@ -5944,178 +6121,6 @@
     <p:extLst>
       <p:ext uri="{BB962C8B-B14F-4D97-AF65-F5344CB8AC3E}">
         <p14:creationId xmlns:p14="http://schemas.microsoft.com/office/powerpoint/2010/main" val="3348133607"/>
-      </p:ext>
-    </p:extLst>
-  </p:cSld>
-  <p:clrMapOvr>
-    <a:masterClrMapping/>
-  </p:clrMapOvr>
-</p:sld>
-</file>
-
-<file path=ppt/slides/slide5.xml><?xml version="1.0" encoding="utf-8"?>
-<p:sld xmlns:a="http://schemas.openxmlformats.org/drawingml/2006/main" xmlns:r="http://schemas.openxmlformats.org/officeDocument/2006/relationships" xmlns:p="http://schemas.openxmlformats.org/presentationml/2006/main">
-  <p:cSld>
-    <p:spTree>
-      <p:nvGrpSpPr>
-        <p:cNvPr id="1" name=""/>
-        <p:cNvGrpSpPr/>
-        <p:nvPr/>
-      </p:nvGrpSpPr>
-      <p:grpSpPr>
-        <a:xfrm>
-          <a:off x="0" y="0"/>
-          <a:ext cx="0" cy="0"/>
-          <a:chOff x="0" y="0"/>
-          <a:chExt cx="0" cy="0"/>
-        </a:xfrm>
-      </p:grpSpPr>
-      <p:sp>
-        <p:nvSpPr>
-          <p:cNvPr id="2" name="Titel 1">
-            <a:extLst>
-              <a:ext uri="{FF2B5EF4-FFF2-40B4-BE49-F238E27FC236}">
-                <a16:creationId xmlns:a16="http://schemas.microsoft.com/office/drawing/2014/main" id="{DDC55320-03B6-465D-9A7F-9DD235AB153D}"/>
-              </a:ext>
-            </a:extLst>
-          </p:cNvPr>
-          <p:cNvSpPr>
-            <a:spLocks noGrp="1"/>
-          </p:cNvSpPr>
-          <p:nvPr>
-            <p:ph type="title"/>
-          </p:nvPr>
-        </p:nvSpPr>
-        <p:spPr/>
-        <p:txBody>
-          <a:bodyPr/>
-          <a:lstStyle/>
-          <a:p>
-            <a:r>
-              <a:rPr lang="de-AT" err="1"/>
-              <a:t>Nx</a:t>
-            </a:r>
-            <a:r>
-              <a:rPr lang="de-AT"/>
-              <a:t> Cloud</a:t>
-            </a:r>
-          </a:p>
-        </p:txBody>
-      </p:sp>
-      <p:sp>
-        <p:nvSpPr>
-          <p:cNvPr id="3" name="Inhaltsplatzhalter 2">
-            <a:extLst>
-              <a:ext uri="{FF2B5EF4-FFF2-40B4-BE49-F238E27FC236}">
-                <a16:creationId xmlns:a16="http://schemas.microsoft.com/office/drawing/2014/main" id="{803631F4-0D06-47E0-ADF2-B0F13427B645}"/>
-              </a:ext>
-            </a:extLst>
-          </p:cNvPr>
-          <p:cNvSpPr>
-            <a:spLocks noGrp="1"/>
-          </p:cNvSpPr>
-          <p:nvPr>
-            <p:ph idx="1"/>
-          </p:nvPr>
-        </p:nvSpPr>
-        <p:spPr/>
-        <p:txBody>
-          <a:bodyPr/>
-          <a:lstStyle/>
-          <a:p>
-            <a:r>
-              <a:rPr lang="de-AT"/>
-              <a:t>Kostenlos</a:t>
-            </a:r>
-          </a:p>
-          <a:p>
-            <a:r>
-              <a:rPr lang="de-AT"/>
-              <a:t>GitHub Integration</a:t>
-            </a:r>
-          </a:p>
-          <a:p>
-            <a:r>
-              <a:rPr lang="de-AT"/>
-              <a:t>Detailliertes </a:t>
-            </a:r>
-            <a:r>
-              <a:rPr lang="de-AT" err="1"/>
-              <a:t>Logging</a:t>
-            </a:r>
-            <a:r>
-              <a:rPr lang="de-AT"/>
-              <a:t> für CI</a:t>
-            </a:r>
-          </a:p>
-          <a:p>
-            <a:r>
-              <a:rPr lang="de-DE"/>
-              <a:t>Zeitersparnis</a:t>
-            </a:r>
-          </a:p>
-          <a:p>
-            <a:r>
-              <a:rPr lang="de-AT"/>
-              <a:t>erleichtert Teamarbeit</a:t>
-            </a:r>
-          </a:p>
-          <a:p>
-            <a:endParaRPr lang="de-AT"/>
-          </a:p>
-        </p:txBody>
-      </p:sp>
-      <p:pic>
-        <p:nvPicPr>
-          <p:cNvPr id="4098" name="Picture 2" descr="Nx Cloud Webinar + Live Q&amp;amp;A: Speeding up Builds &amp;amp; Tests">
-            <a:extLst>
-              <a:ext uri="{FF2B5EF4-FFF2-40B4-BE49-F238E27FC236}">
-                <a16:creationId xmlns:a16="http://schemas.microsoft.com/office/drawing/2014/main" id="{9CEF1646-2D96-48AA-94A5-6E4AEEB476F2}"/>
-              </a:ext>
-            </a:extLst>
-          </p:cNvPr>
-          <p:cNvPicPr>
-            <a:picLocks noChangeAspect="1" noChangeArrowheads="1"/>
-          </p:cNvPicPr>
-          <p:nvPr/>
-        </p:nvPicPr>
-        <p:blipFill>
-          <a:blip r:embed="rId2">
-            <a:extLst>
-              <a:ext uri="{28A0092B-C50C-407E-A947-70E740481C1C}">
-                <a14:useLocalDpi xmlns:a14="http://schemas.microsoft.com/office/drawing/2010/main" val="0"/>
-              </a:ext>
-            </a:extLst>
-          </a:blip>
-          <a:srcRect/>
-          <a:stretch>
-            <a:fillRect/>
-          </a:stretch>
-        </p:blipFill>
-        <p:spPr bwMode="auto">
-          <a:xfrm>
-            <a:off x="8109272" y="242888"/>
-            <a:ext cx="3152775" cy="1447800"/>
-          </a:xfrm>
-          <a:prstGeom prst="rect">
-            <a:avLst/>
-          </a:prstGeom>
-          <a:noFill/>
-          <a:extLst>
-            <a:ext uri="{909E8E84-426E-40DD-AFC4-6F175D3DCCD1}">
-              <a14:hiddenFill xmlns:a14="http://schemas.microsoft.com/office/drawing/2010/main">
-                <a:solidFill>
-                  <a:srgbClr val="FFFFFF"/>
-                </a:solidFill>
-              </a14:hiddenFill>
-            </a:ext>
-          </a:extLst>
-        </p:spPr>
-      </p:pic>
-    </p:spTree>
-    <p:extLst>
-      <p:ext uri="{BB962C8B-B14F-4D97-AF65-F5344CB8AC3E}">
-        <p14:creationId xmlns:p14="http://schemas.microsoft.com/office/powerpoint/2010/main" val="574056929"/>
       </p:ext>
     </p:extLst>
   </p:cSld>
@@ -7228,15 +7233,6 @@
 </file>
 
 <file path=customXml/item1.xml><?xml version="1.0" encoding="utf-8"?>
-<?mso-contentType ?>
-<FormTemplates xmlns="http://schemas.microsoft.com/sharepoint/v3/contenttype/forms">
-  <Display>DocumentLibraryForm</Display>
-  <Edit>DocumentLibraryForm</Edit>
-  <New>DocumentLibraryForm</New>
-</FormTemplates>
-</file>
-
-<file path=customXml/item2.xml><?xml version="1.0" encoding="utf-8"?>
 <ct:contentTypeSchema xmlns:ct="http://schemas.microsoft.com/office/2006/metadata/contentType" xmlns:ma="http://schemas.microsoft.com/office/2006/metadata/properties/metaAttributes" ct:_="" ma:_="" ma:contentTypeName="Dokument" ma:contentTypeID="0x010100D885374BF7C0AF4F887934A13DEA5697" ma:contentTypeVersion="5" ma:contentTypeDescription="Ein neues Dokument erstellen." ma:contentTypeScope="" ma:versionID="9350bf093fff2cbe022615508b11d3c5">
   <xsd:schema xmlns:xsd="http://www.w3.org/2001/XMLSchema" xmlns:xs="http://www.w3.org/2001/XMLSchema" xmlns:p="http://schemas.microsoft.com/office/2006/metadata/properties" xmlns:ns3="2228a5dc-1fd5-4d3a-a5a2-faf753e2f2f6" xmlns:ns4="2cea3637-129e-4ad6-8cb6-4a29fcfeb69b" targetNamespace="http://schemas.microsoft.com/office/2006/metadata/properties" ma:root="true" ma:fieldsID="6bf102b562845ea4c9bbd96b9942b357" ns3:_="" ns4:_="">
     <xsd:import namespace="2228a5dc-1fd5-4d3a-a5a2-faf753e2f2f6"/>
@@ -7407,6 +7403,15 @@
 </ct:contentTypeSchema>
 </file>
 
+<file path=customXml/item2.xml><?xml version="1.0" encoding="utf-8"?>
+<?mso-contentType ?>
+<FormTemplates xmlns="http://schemas.microsoft.com/sharepoint/v3/contenttype/forms">
+  <Display>DocumentLibraryForm</Display>
+  <Edit>DocumentLibraryForm</Edit>
+  <New>DocumentLibraryForm</New>
+</FormTemplates>
+</file>
+
 <file path=customXml/item3.xml><?xml version="1.0" encoding="utf-8"?>
 <p:properties xmlns:p="http://schemas.microsoft.com/office/2006/metadata/properties" xmlns:xsi="http://www.w3.org/2001/XMLSchema-instance" xmlns:pc="http://schemas.microsoft.com/office/infopath/2007/PartnerControls">
   <documentManagement/>
@@ -7414,14 +7419,6 @@
 </file>
 
 <file path=customXml/itemProps1.xml><?xml version="1.0" encoding="utf-8"?>
-<ds:datastoreItem xmlns:ds="http://schemas.openxmlformats.org/officeDocument/2006/customXml" ds:itemID="{DA5DC088-0152-4FD9-9BCF-F1BA4404C965}">
-  <ds:schemaRefs>
-    <ds:schemaRef ds:uri="http://schemas.microsoft.com/sharepoint/v3/contenttype/forms"/>
-  </ds:schemaRefs>
-</ds:datastoreItem>
-</file>
-
-<file path=customXml/itemProps2.xml><?xml version="1.0" encoding="utf-8"?>
 <ds:datastoreItem xmlns:ds="http://schemas.openxmlformats.org/officeDocument/2006/customXml" ds:itemID="{D1F3B967-EEB9-4963-9583-B9C1ED5584F7}">
   <ds:schemaRefs>
     <ds:schemaRef ds:uri="2228a5dc-1fd5-4d3a-a5a2-faf753e2f2f6"/>
@@ -7436,6 +7433,14 @@
     <ds:schemaRef ds:uri="http://schemas.microsoft.com/office/infopath/2007/PartnerControls"/>
     <ds:schemaRef ds:uri="http://schemas.openxmlformats.org/package/2006/metadata/core-properties"/>
     <ds:schemaRef ds:uri="http://www.w3.org/2001/XMLSchema"/>
+  </ds:schemaRefs>
+</ds:datastoreItem>
+</file>
+
+<file path=customXml/itemProps2.xml><?xml version="1.0" encoding="utf-8"?>
+<ds:datastoreItem xmlns:ds="http://schemas.openxmlformats.org/officeDocument/2006/customXml" ds:itemID="{DA5DC088-0152-4FD9-9BCF-F1BA4404C965}">
+  <ds:schemaRefs>
+    <ds:schemaRef ds:uri="http://schemas.microsoft.com/sharepoint/v3/contenttype/forms"/>
   </ds:schemaRefs>
 </ds:datastoreItem>
 </file>
